--- a/Material/HMI Class-I Agenda.pptx
+++ b/Material/HMI Class-I Agenda.pptx
@@ -220,7 +220,7 @@
           <a:p>
             <a:fld id="{479014F1-9E12-4B6E-9C7D-5791D88CEEC3}" type="datetime1">
               <a:rPr lang="de-DE" smtClean="0"/>
-              <a:t>28.09.2023</a:t>
+              <a:t>15.10.2023</a:t>
             </a:fld>
             <a:endParaRPr lang="de-DE"/>
           </a:p>
@@ -403,7 +403,7 @@
             <a:fld id="{2580E220-EDF6-4D26-8ABA-677BA55902A8}" type="datetime1">
               <a:rPr lang="de-DE" smtClean="0"/>
               <a:pPr/>
-              <a:t>28.09.2023</a:t>
+              <a:t>15.10.2023</a:t>
             </a:fld>
             <a:endParaRPr lang="de-DE"/>
           </a:p>
@@ -8797,7 +8797,7 @@
         <p:spPr>
           <a:xfrm>
             <a:off x="3" y="1090799"/>
-            <a:ext cx="8904309" cy="5331600"/>
+            <a:ext cx="12191997" cy="5002497"/>
           </a:xfrm>
         </p:spPr>
         <p:txBody>
@@ -8816,12 +8816,6 @@
           <a:p>
             <a:r>
               <a:rPr lang="en-US" dirty="0"/>
-              <a:t>New Features</a:t>
-            </a:r>
-          </a:p>
-          <a:p>
-            <a:r>
-              <a:rPr lang="en-US" dirty="0"/>
               <a:t>Sample Application Description</a:t>
             </a:r>
           </a:p>
@@ -8834,13 +8828,8 @@
           <a:p>
             <a:r>
               <a:rPr lang="en-US" dirty="0"/>
-              <a:t>HMI Performance and </a:t>
-            </a:r>
-            <a:r>
-              <a:rPr lang="en-US"/>
-              <a:t>Resource Requirement</a:t>
-            </a:r>
-            <a:endParaRPr lang="en-US" dirty="0"/>
+              <a:t>HMI Performance and Resource Requirement</a:t>
+            </a:r>
           </a:p>
           <a:p>
             <a:endParaRPr lang="en-US" dirty="0"/>
@@ -9743,6 +9732,29 @@
 </file>
 
 <file path=customXml/item1.xml><?xml version="1.0" encoding="utf-8"?>
+<p:properties xmlns:p="http://schemas.microsoft.com/office/2006/metadata/properties" xmlns:xsi="http://www.w3.org/2001/XMLSchema-instance" xmlns:pc="http://schemas.microsoft.com/office/infopath/2007/PartnerControls">
+  <documentManagement>
+    <IconOverlay xmlns="http://schemas.microsoft.com/sharepoint/v4" xsi:nil="true"/>
+    <z6oo xmlns="59f4117e-e2c9-411d-ab5d-5cfd84246deb" xsi:nil="true"/>
+    <uy8s xmlns="59f4117e-e2c9-411d-ab5d-5cfd84246deb" xsi:nil="true"/>
+    <Link_x0020_to_x0020_Sample xmlns="59f4117e-e2c9-411d-ab5d-5cfd84246deb">
+      <Url xsi:nil="true"/>
+      <Description xsi:nil="true"/>
+    </Link_x0020_to_x0020_Sample>
+  </documentManagement>
+</p:properties>
+</file>
+
+<file path=customXml/item2.xml><?xml version="1.0" encoding="utf-8"?>
+<?mso-contentType ?>
+<FormTemplates xmlns="http://schemas.microsoft.com/sharepoint/v3/contenttype/forms">
+  <Display>DocumentLibraryForm</Display>
+  <Edit>DocumentLibraryForm</Edit>
+  <New>DocumentLibraryForm</New>
+</FormTemplates>
+</file>
+
+<file path=customXml/item3.xml><?xml version="1.0" encoding="utf-8"?>
 <ct:contentTypeSchema xmlns:ct="http://schemas.microsoft.com/office/2006/metadata/contentType" xmlns:ma="http://schemas.microsoft.com/office/2006/metadata/properties/metaAttributes" ct:_="" ma:_="" ma:contentTypeName="Document" ma:contentTypeID="0x0101003994138E90ACBF49B1B0BC9B39C8E67C" ma:contentTypeVersion="4" ma:contentTypeDescription="Create a new document." ma:contentTypeScope="" ma:versionID="7a14ad78073b40a60508dbea234b3395">
   <xsd:schema xmlns:xsd="http://www.w3.org/2001/XMLSchema" xmlns:xs="http://www.w3.org/2001/XMLSchema" xmlns:p="http://schemas.microsoft.com/office/2006/metadata/properties" xmlns:ns2="http://schemas.microsoft.com/sharepoint/v4" xmlns:ns3="59f4117e-e2c9-411d-ab5d-5cfd84246deb" targetNamespace="http://schemas.microsoft.com/office/2006/metadata/properties" ma:root="true" ma:fieldsID="3138046ba7f43249d67e9c9f880a945f" ns2:_="" ns3:_="">
     <xsd:import namespace="http://schemas.microsoft.com/sharepoint/v4"/>
@@ -9898,30 +9910,32 @@
 </ct:contentTypeSchema>
 </file>
 
-<file path=customXml/item2.xml><?xml version="1.0" encoding="utf-8"?>
-<?mso-contentType ?>
-<FormTemplates xmlns="http://schemas.microsoft.com/sharepoint/v3/contenttype/forms">
-  <Display>DocumentLibraryForm</Display>
-  <Edit>DocumentLibraryForm</Edit>
-  <New>DocumentLibraryForm</New>
-</FormTemplates>
+<file path=customXml/itemProps1.xml><?xml version="1.0" encoding="utf-8"?>
+<ds:datastoreItem xmlns:ds="http://schemas.openxmlformats.org/officeDocument/2006/customXml" ds:itemID="{83B6F8A8-7B76-4385-AF5E-307FCDE5D76B}">
+  <ds:schemaRefs>
+    <ds:schemaRef ds:uri="http://schemas.microsoft.com/office/2006/metadata/properties"/>
+    <ds:schemaRef ds:uri="http://www.w3.org/XML/1998/namespace"/>
+    <ds:schemaRef ds:uri="http://schemas.microsoft.com/office/2006/documentManagement/types"/>
+    <ds:schemaRef ds:uri="http://purl.org/dc/elements/1.1/"/>
+    <ds:schemaRef ds:uri="http://schemas.microsoft.com/office/infopath/2007/PartnerControls"/>
+    <ds:schemaRef ds:uri="http://purl.org/dc/dcmitype/"/>
+    <ds:schemaRef ds:uri="http://schemas.microsoft.com/sharepoint/v4"/>
+    <ds:schemaRef ds:uri="http://schemas.openxmlformats.org/package/2006/metadata/core-properties"/>
+    <ds:schemaRef ds:uri="59f4117e-e2c9-411d-ab5d-5cfd84246deb"/>
+    <ds:schemaRef ds:uri="http://purl.org/dc/terms/"/>
+  </ds:schemaRefs>
+</ds:datastoreItem>
 </file>
 
-<file path=customXml/item3.xml><?xml version="1.0" encoding="utf-8"?>
-<p:properties xmlns:p="http://schemas.microsoft.com/office/2006/metadata/properties" xmlns:xsi="http://www.w3.org/2001/XMLSchema-instance" xmlns:pc="http://schemas.microsoft.com/office/infopath/2007/PartnerControls">
-  <documentManagement>
-    <IconOverlay xmlns="http://schemas.microsoft.com/sharepoint/v4" xsi:nil="true"/>
-    <z6oo xmlns="59f4117e-e2c9-411d-ab5d-5cfd84246deb" xsi:nil="true"/>
-    <uy8s xmlns="59f4117e-e2c9-411d-ab5d-5cfd84246deb" xsi:nil="true"/>
-    <Link_x0020_to_x0020_Sample xmlns="59f4117e-e2c9-411d-ab5d-5cfd84246deb">
-      <Url xsi:nil="true"/>
-      <Description xsi:nil="true"/>
-    </Link_x0020_to_x0020_Sample>
-  </documentManagement>
-</p:properties>
+<file path=customXml/itemProps2.xml><?xml version="1.0" encoding="utf-8"?>
+<ds:datastoreItem xmlns:ds="http://schemas.openxmlformats.org/officeDocument/2006/customXml" ds:itemID="{07EB73ED-FADD-4A0F-8716-0F17C974786C}">
+  <ds:schemaRefs>
+    <ds:schemaRef ds:uri="http://schemas.microsoft.com/sharepoint/v3/contenttype/forms"/>
+  </ds:schemaRefs>
+</ds:datastoreItem>
 </file>
 
-<file path=customXml/itemProps1.xml><?xml version="1.0" encoding="utf-8"?>
+<file path=customXml/itemProps3.xml><?xml version="1.0" encoding="utf-8"?>
 <ds:datastoreItem xmlns:ds="http://schemas.openxmlformats.org/officeDocument/2006/customXml" ds:itemID="{BD13D2F6-AED3-4E1C-B654-BE956DFFB160}">
   <ds:schemaRefs>
     <ds:schemaRef ds:uri="http://schemas.microsoft.com/office/2006/metadata/contentType"/>
@@ -9938,29 +9952,4 @@
     <ds:schemaRef ds:uri="http://schemas.microsoft.com/internal/obd"/>
   </ds:schemaRefs>
 </ds:datastoreItem>
-</file>
-
-<file path=customXml/itemProps2.xml><?xml version="1.0" encoding="utf-8"?>
-<ds:datastoreItem xmlns:ds="http://schemas.openxmlformats.org/officeDocument/2006/customXml" ds:itemID="{07EB73ED-FADD-4A0F-8716-0F17C974786C}">
-  <ds:schemaRefs>
-    <ds:schemaRef ds:uri="http://schemas.microsoft.com/sharepoint/v3/contenttype/forms"/>
-  </ds:schemaRefs>
-</ds:datastoreItem>
-</file>
-
-<file path=customXml/itemProps3.xml><?xml version="1.0" encoding="utf-8"?>
-<ds:datastoreItem xmlns:ds="http://schemas.openxmlformats.org/officeDocument/2006/customXml" ds:itemID="{83B6F8A8-7B76-4385-AF5E-307FCDE5D76B}">
-  <ds:schemaRefs>
-    <ds:schemaRef ds:uri="http://schemas.microsoft.com/office/2006/metadata/properties"/>
-    <ds:schemaRef ds:uri="http://www.w3.org/XML/1998/namespace"/>
-    <ds:schemaRef ds:uri="http://schemas.microsoft.com/office/2006/documentManagement/types"/>
-    <ds:schemaRef ds:uri="http://purl.org/dc/elements/1.1/"/>
-    <ds:schemaRef ds:uri="http://schemas.microsoft.com/office/infopath/2007/PartnerControls"/>
-    <ds:schemaRef ds:uri="http://purl.org/dc/dcmitype/"/>
-    <ds:schemaRef ds:uri="http://schemas.microsoft.com/sharepoint/v4"/>
-    <ds:schemaRef ds:uri="http://schemas.openxmlformats.org/package/2006/metadata/core-properties"/>
-    <ds:schemaRef ds:uri="59f4117e-e2c9-411d-ab5d-5cfd84246deb"/>
-    <ds:schemaRef ds:uri="http://purl.org/dc/terms/"/>
-  </ds:schemaRefs>
-</ds:datastoreItem>
 </file>